--- a/presentation.pptx
+++ b/presentation.pptx
@@ -8,14 +8,15 @@
     <p:sldId id="257" r:id="rId2"/>
     <p:sldId id="264" r:id="rId3"/>
     <p:sldId id="265" r:id="rId4"/>
-    <p:sldId id="266" r:id="rId5"/>
-    <p:sldId id="256" r:id="rId6"/>
-    <p:sldId id="258" r:id="rId7"/>
-    <p:sldId id="259" r:id="rId8"/>
-    <p:sldId id="260" r:id="rId9"/>
-    <p:sldId id="261" r:id="rId10"/>
-    <p:sldId id="262" r:id="rId11"/>
-    <p:sldId id="263" r:id="rId12"/>
+    <p:sldId id="267" r:id="rId5"/>
+    <p:sldId id="266" r:id="rId6"/>
+    <p:sldId id="256" r:id="rId7"/>
+    <p:sldId id="258" r:id="rId8"/>
+    <p:sldId id="259" r:id="rId9"/>
+    <p:sldId id="260" r:id="rId10"/>
+    <p:sldId id="261" r:id="rId11"/>
+    <p:sldId id="262" r:id="rId12"/>
+    <p:sldId id="263" r:id="rId13"/>
   </p:sldIdLst>
   <p:sldSz cx="12192000" cy="6858000"/>
   <p:notesSz cx="6858000" cy="9144000"/>
@@ -114,6 +115,11 @@
       </a:defRPr>
     </a:lvl9pPr>
   </p:defaultTextStyle>
+  <p:extLst>
+    <p:ext uri="{EFAFB233-063F-42B5-8137-9DF3F51BA10A}">
+      <p15:sldGuideLst xmlns:p15="http://schemas.microsoft.com/office/powerpoint/2012/main"/>
+    </p:ext>
+  </p:extLst>
 </p:presentation>
 </file>
 
@@ -264,7 +270,7 @@
           <a:p>
             <a:fld id="{8BAC67A8-025A-49DF-B109-39D5CC7838DC}" type="datetimeFigureOut">
               <a:rPr lang="it-IT" smtClean="0"/>
-              <a:t>28/01/2025</a:t>
+              <a:t>30/01/2025</a:t>
             </a:fld>
             <a:endParaRPr lang="it-IT"/>
           </a:p>
@@ -462,7 +468,7 @@
           <a:p>
             <a:fld id="{8BAC67A8-025A-49DF-B109-39D5CC7838DC}" type="datetimeFigureOut">
               <a:rPr lang="it-IT" smtClean="0"/>
-              <a:t>28/01/2025</a:t>
+              <a:t>30/01/2025</a:t>
             </a:fld>
             <a:endParaRPr lang="it-IT"/>
           </a:p>
@@ -670,7 +676,7 @@
           <a:p>
             <a:fld id="{8BAC67A8-025A-49DF-B109-39D5CC7838DC}" type="datetimeFigureOut">
               <a:rPr lang="it-IT" smtClean="0"/>
-              <a:t>28/01/2025</a:t>
+              <a:t>30/01/2025</a:t>
             </a:fld>
             <a:endParaRPr lang="it-IT"/>
           </a:p>
@@ -868,7 +874,7 @@
           <a:p>
             <a:fld id="{8BAC67A8-025A-49DF-B109-39D5CC7838DC}" type="datetimeFigureOut">
               <a:rPr lang="it-IT" smtClean="0"/>
-              <a:t>28/01/2025</a:t>
+              <a:t>30/01/2025</a:t>
             </a:fld>
             <a:endParaRPr lang="it-IT"/>
           </a:p>
@@ -1143,7 +1149,7 @@
           <a:p>
             <a:fld id="{8BAC67A8-025A-49DF-B109-39D5CC7838DC}" type="datetimeFigureOut">
               <a:rPr lang="it-IT" smtClean="0"/>
-              <a:t>28/01/2025</a:t>
+              <a:t>30/01/2025</a:t>
             </a:fld>
             <a:endParaRPr lang="it-IT"/>
           </a:p>
@@ -1408,7 +1414,7 @@
           <a:p>
             <a:fld id="{8BAC67A8-025A-49DF-B109-39D5CC7838DC}" type="datetimeFigureOut">
               <a:rPr lang="it-IT" smtClean="0"/>
-              <a:t>28/01/2025</a:t>
+              <a:t>30/01/2025</a:t>
             </a:fld>
             <a:endParaRPr lang="it-IT"/>
           </a:p>
@@ -1820,7 +1826,7 @@
           <a:p>
             <a:fld id="{8BAC67A8-025A-49DF-B109-39D5CC7838DC}" type="datetimeFigureOut">
               <a:rPr lang="it-IT" smtClean="0"/>
-              <a:t>28/01/2025</a:t>
+              <a:t>30/01/2025</a:t>
             </a:fld>
             <a:endParaRPr lang="it-IT"/>
           </a:p>
@@ -1961,7 +1967,7 @@
           <a:p>
             <a:fld id="{8BAC67A8-025A-49DF-B109-39D5CC7838DC}" type="datetimeFigureOut">
               <a:rPr lang="it-IT" smtClean="0"/>
-              <a:t>28/01/2025</a:t>
+              <a:t>30/01/2025</a:t>
             </a:fld>
             <a:endParaRPr lang="it-IT"/>
           </a:p>
@@ -2074,7 +2080,7 @@
           <a:p>
             <a:fld id="{8BAC67A8-025A-49DF-B109-39D5CC7838DC}" type="datetimeFigureOut">
               <a:rPr lang="it-IT" smtClean="0"/>
-              <a:t>28/01/2025</a:t>
+              <a:t>30/01/2025</a:t>
             </a:fld>
             <a:endParaRPr lang="it-IT"/>
           </a:p>
@@ -2385,7 +2391,7 @@
           <a:p>
             <a:fld id="{8BAC67A8-025A-49DF-B109-39D5CC7838DC}" type="datetimeFigureOut">
               <a:rPr lang="it-IT" smtClean="0"/>
-              <a:t>28/01/2025</a:t>
+              <a:t>30/01/2025</a:t>
             </a:fld>
             <a:endParaRPr lang="it-IT"/>
           </a:p>
@@ -2673,7 +2679,7 @@
           <a:p>
             <a:fld id="{8BAC67A8-025A-49DF-B109-39D5CC7838DC}" type="datetimeFigureOut">
               <a:rPr lang="it-IT" smtClean="0"/>
-              <a:t>28/01/2025</a:t>
+              <a:t>30/01/2025</a:t>
             </a:fld>
             <a:endParaRPr lang="it-IT"/>
           </a:p>
@@ -2914,7 +2920,7 @@
           <a:p>
             <a:fld id="{8BAC67A8-025A-49DF-B109-39D5CC7838DC}" type="datetimeFigureOut">
               <a:rPr lang="it-IT" smtClean="0"/>
-              <a:t>28/01/2025</a:t>
+              <a:t>30/01/2025</a:t>
             </a:fld>
             <a:endParaRPr lang="it-IT"/>
           </a:p>
@@ -3599,6 +3605,161 @@
         <p:cNvPr id="1" name="">
           <a:extLst>
             <a:ext uri="{FF2B5EF4-FFF2-40B4-BE49-F238E27FC236}">
+              <a16:creationId xmlns:a16="http://schemas.microsoft.com/office/drawing/2014/main" id="{107A0E76-0DA9-4141-4711-264911A90991}"/>
+            </a:ext>
+          </a:extLst>
+        </p:cNvPr>
+        <p:cNvGrpSpPr/>
+        <p:nvPr/>
+      </p:nvGrpSpPr>
+      <p:grpSpPr>
+        <a:xfrm>
+          <a:off x="0" y="0"/>
+          <a:ext cx="0" cy="0"/>
+          <a:chOff x="0" y="0"/>
+          <a:chExt cx="0" cy="0"/>
+        </a:xfrm>
+      </p:grpSpPr>
+      <p:pic>
+        <p:nvPicPr>
+          <p:cNvPr id="5" name="Immagine 4">
+            <a:extLst>
+              <a:ext uri="{FF2B5EF4-FFF2-40B4-BE49-F238E27FC236}">
+                <a16:creationId xmlns:a16="http://schemas.microsoft.com/office/drawing/2014/main" id="{833E9BFD-E1F3-BF19-3749-B8F042708404}"/>
+              </a:ext>
+            </a:extLst>
+          </p:cNvPr>
+          <p:cNvPicPr>
+            <a:picLocks noChangeAspect="1"/>
+          </p:cNvPicPr>
+          <p:nvPr/>
+        </p:nvPicPr>
+        <p:blipFill>
+          <a:blip r:embed="rId2"/>
+          <a:stretch>
+            <a:fillRect/>
+          </a:stretch>
+        </p:blipFill>
+        <p:spPr>
+          <a:xfrm>
+            <a:off x="-20788680" y="433336"/>
+            <a:ext cx="39295558" cy="6858000"/>
+          </a:xfrm>
+          <a:prstGeom prst="rect">
+            <a:avLst/>
+          </a:prstGeom>
+        </p:spPr>
+      </p:pic>
+      <p:sp>
+        <p:nvSpPr>
+          <p:cNvPr id="6" name="Titolo 1">
+            <a:extLst>
+              <a:ext uri="{FF2B5EF4-FFF2-40B4-BE49-F238E27FC236}">
+                <a16:creationId xmlns:a16="http://schemas.microsoft.com/office/drawing/2014/main" id="{70EAC82D-4322-B8E7-07B4-D43BDD6EEB3B}"/>
+              </a:ext>
+            </a:extLst>
+          </p:cNvPr>
+          <p:cNvSpPr txBox="1">
+            <a:spLocks/>
+          </p:cNvSpPr>
+          <p:nvPr/>
+        </p:nvSpPr>
+        <p:spPr>
+          <a:xfrm>
+            <a:off x="381000" y="203200"/>
+            <a:ext cx="7696200" cy="473075"/>
+          </a:xfrm>
+          <a:prstGeom prst="rect">
+            <a:avLst/>
+          </a:prstGeom>
+        </p:spPr>
+        <p:txBody>
+          <a:bodyPr vert="horz" lIns="91440" tIns="45720" rIns="91440" bIns="45720" rtlCol="0" anchor="ctr">
+            <a:normAutofit/>
+          </a:bodyPr>
+          <a:lstStyle>
+            <a:lvl1pPr algn="l" defTabSz="914400" rtl="0" eaLnBrk="1" latinLnBrk="0" hangingPunct="1">
+              <a:lnSpc>
+                <a:spcPct val="90000"/>
+              </a:lnSpc>
+              <a:spcBef>
+                <a:spcPct val="0"/>
+              </a:spcBef>
+              <a:buNone/>
+              <a:defRPr sz="4400" kern="1200">
+                <a:solidFill>
+                  <a:schemeClr val="tx1"/>
+                </a:solidFill>
+                <a:latin typeface="+mj-lt"/>
+                <a:ea typeface="+mj-ea"/>
+                <a:cs typeface="+mj-cs"/>
+              </a:defRPr>
+            </a:lvl1pPr>
+          </a:lstStyle>
+          <a:p>
+            <a:r>
+              <a:rPr lang="it-IT" sz="2000" dirty="0">
+                <a:solidFill>
+                  <a:srgbClr val="002060"/>
+                </a:solidFill>
+                <a:latin typeface="Arial Black" panose="020B0A04020102020204" pitchFamily="34" charset="0"/>
+              </a:rPr>
+              <a:t>Processing </a:t>
+            </a:r>
+            <a:r>
+              <a:rPr lang="it-IT" sz="2000" dirty="0" err="1">
+                <a:solidFill>
+                  <a:srgbClr val="002060"/>
+                </a:solidFill>
+                <a:latin typeface="Arial Black" panose="020B0A04020102020204" pitchFamily="34" charset="0"/>
+              </a:rPr>
+              <a:t>using</a:t>
+            </a:r>
+            <a:r>
+              <a:rPr lang="it-IT" sz="2000" dirty="0">
+                <a:solidFill>
+                  <a:srgbClr val="002060"/>
+                </a:solidFill>
+                <a:latin typeface="Arial Black" panose="020B0A04020102020204" pitchFamily="34" charset="0"/>
+              </a:rPr>
+              <a:t> Spark</a:t>
+            </a:r>
+          </a:p>
+        </p:txBody>
+      </p:sp>
+    </p:spTree>
+    <p:extLst>
+      <p:ext uri="{BB962C8B-B14F-4D97-AF65-F5344CB8AC3E}">
+        <p14:creationId xmlns:p14="http://schemas.microsoft.com/office/powerpoint/2010/main" val="1698730226"/>
+      </p:ext>
+    </p:extLst>
+  </p:cSld>
+  <p:clrMapOvr>
+    <a:masterClrMapping/>
+  </p:clrMapOvr>
+  <mc:AlternateContent xmlns:mc="http://schemas.openxmlformats.org/markup-compatibility/2006" xmlns:p159="http://schemas.microsoft.com/office/powerpoint/2015/09/main">
+    <mc:Choice Requires="p159">
+      <p:transition xmlns:p14="http://schemas.microsoft.com/office/powerpoint/2010/main" spd="slow" p14:dur="2000">
+        <p159:morph option="byObject"/>
+      </p:transition>
+    </mc:Choice>
+    <mc:Fallback xmlns="">
+      <p:transition spd="slow">
+        <p:fade/>
+      </p:transition>
+    </mc:Fallback>
+  </mc:AlternateContent>
+</p:sld>
+</file>
+
+<file path=ppt/slides/slide11.xml><?xml version="1.0" encoding="utf-8"?>
+<p:sld xmlns:a="http://schemas.openxmlformats.org/drawingml/2006/main" xmlns:r="http://schemas.openxmlformats.org/officeDocument/2006/relationships" xmlns:p="http://schemas.openxmlformats.org/presentationml/2006/main">
+  <p:cSld>
+    <p:spTree>
+      <p:nvGrpSpPr>
+        <p:cNvPr id="1" name="">
+          <a:extLst>
+            <a:ext uri="{FF2B5EF4-FFF2-40B4-BE49-F238E27FC236}">
               <a16:creationId xmlns:a16="http://schemas.microsoft.com/office/drawing/2014/main" id="{7DD7C040-3C90-DE44-875C-D574745BB5C1}"/>
             </a:ext>
           </a:extLst>
@@ -3809,13 +3970,13 @@
   <p:clrMapOvr>
     <a:masterClrMapping/>
   </p:clrMapOvr>
-  <mc:AlternateContent xmlns:mc="http://schemas.openxmlformats.org/markup-compatibility/2006">
-    <mc:Choice xmlns:p159="http://schemas.microsoft.com/office/powerpoint/2015/09/main" Requires="p159">
+  <mc:AlternateContent xmlns:mc="http://schemas.openxmlformats.org/markup-compatibility/2006" xmlns:p159="http://schemas.microsoft.com/office/powerpoint/2015/09/main">
+    <mc:Choice Requires="p159">
       <p:transition xmlns:p14="http://schemas.microsoft.com/office/powerpoint/2010/main" spd="slow" p14:dur="2000">
         <p159:morph option="byObject"/>
       </p:transition>
     </mc:Choice>
-    <mc:Fallback>
+    <mc:Fallback xmlns="">
       <p:transition spd="slow">
         <p:fade/>
       </p:transition>
@@ -3824,7 +3985,7 @@
 </p:sld>
 </file>
 
-<file path=ppt/slides/slide11.xml><?xml version="1.0" encoding="utf-8"?>
+<file path=ppt/slides/slide12.xml><?xml version="1.0" encoding="utf-8"?>
 <p:sld xmlns:a="http://schemas.openxmlformats.org/drawingml/2006/main" xmlns:r="http://schemas.openxmlformats.org/officeDocument/2006/relationships" xmlns:p="http://schemas.openxmlformats.org/presentationml/2006/main">
   <p:cSld>
     <p:spTree>
@@ -3988,13 +4149,13 @@
   <p:clrMapOvr>
     <a:masterClrMapping/>
   </p:clrMapOvr>
-  <mc:AlternateContent xmlns:mc="http://schemas.openxmlformats.org/markup-compatibility/2006">
-    <mc:Choice xmlns:p159="http://schemas.microsoft.com/office/powerpoint/2015/09/main" Requires="p159">
+  <mc:AlternateContent xmlns:mc="http://schemas.openxmlformats.org/markup-compatibility/2006" xmlns:p159="http://schemas.microsoft.com/office/powerpoint/2015/09/main">
+    <mc:Choice Requires="p159">
       <p:transition xmlns:p14="http://schemas.microsoft.com/office/powerpoint/2010/main" spd="slow" p14:dur="2000">
         <p159:morph option="byObject"/>
       </p:transition>
     </mc:Choice>
-    <mc:Fallback>
+    <mc:Fallback xmlns="">
       <p:transition spd="slow">
         <p:fade/>
       </p:transition>
@@ -4322,6 +4483,392 @@
   <p:cSld>
     <p:spTree>
       <p:nvGrpSpPr>
+        <p:cNvPr id="1" name=""/>
+        <p:cNvGrpSpPr/>
+        <p:nvPr/>
+      </p:nvGrpSpPr>
+      <p:grpSpPr>
+        <a:xfrm>
+          <a:off x="0" y="0"/>
+          <a:ext cx="0" cy="0"/>
+          <a:chOff x="0" y="0"/>
+          <a:chExt cx="0" cy="0"/>
+        </a:xfrm>
+      </p:grpSpPr>
+      <p:pic>
+        <p:nvPicPr>
+          <p:cNvPr id="6" name="Immagine 5">
+            <a:extLst>
+              <a:ext uri="{FF2B5EF4-FFF2-40B4-BE49-F238E27FC236}">
+                <a16:creationId xmlns:a16="http://schemas.microsoft.com/office/drawing/2014/main" id="{89E9F100-4C75-0BA1-D524-88B4A1955CF9}"/>
+              </a:ext>
+            </a:extLst>
+          </p:cNvPr>
+          <p:cNvPicPr>
+            <a:picLocks noChangeAspect="1"/>
+          </p:cNvPicPr>
+          <p:nvPr/>
+        </p:nvPicPr>
+        <p:blipFill>
+          <a:blip r:embed="rId2"/>
+          <a:stretch>
+            <a:fillRect/>
+          </a:stretch>
+        </p:blipFill>
+        <p:spPr>
+          <a:xfrm>
+            <a:off x="3397805" y="0"/>
+            <a:ext cx="5396389" cy="6858000"/>
+          </a:xfrm>
+          <a:prstGeom prst="rect">
+            <a:avLst/>
+          </a:prstGeom>
+        </p:spPr>
+      </p:pic>
+      <p:pic>
+        <p:nvPicPr>
+          <p:cNvPr id="1030" name="Picture 6" descr="@tapunict">
+            <a:extLst>
+              <a:ext uri="{FF2B5EF4-FFF2-40B4-BE49-F238E27FC236}">
+                <a16:creationId xmlns:a16="http://schemas.microsoft.com/office/drawing/2014/main" id="{85F4CE3E-7F50-27B6-0A30-0270EFC3A9EF}"/>
+              </a:ext>
+            </a:extLst>
+          </p:cNvPr>
+          <p:cNvPicPr>
+            <a:picLocks noChangeAspect="1" noChangeArrowheads="1"/>
+          </p:cNvPicPr>
+          <p:nvPr/>
+        </p:nvPicPr>
+        <p:blipFill>
+          <a:blip r:embed="rId3">
+            <a:extLst>
+              <a:ext uri="{28A0092B-C50C-407E-A947-70E740481C1C}">
+                <a14:useLocalDpi xmlns:a14="http://schemas.microsoft.com/office/drawing/2010/main" val="0"/>
+              </a:ext>
+            </a:extLst>
+          </a:blip>
+          <a:srcRect/>
+          <a:stretch>
+            <a:fillRect/>
+          </a:stretch>
+        </p:blipFill>
+        <p:spPr bwMode="auto">
+          <a:xfrm>
+            <a:off x="4002958" y="883674"/>
+            <a:ext cx="1139313" cy="1139313"/>
+          </a:xfrm>
+          <a:prstGeom prst="rect">
+            <a:avLst/>
+          </a:prstGeom>
+          <a:noFill/>
+          <a:extLst>
+            <a:ext uri="{909E8E84-426E-40DD-AFC4-6F175D3DCCD1}">
+              <a14:hiddenFill xmlns:a14="http://schemas.microsoft.com/office/drawing/2010/main">
+                <a:solidFill>
+                  <a:srgbClr val="FFFFFF"/>
+                </a:solidFill>
+              </a14:hiddenFill>
+            </a:ext>
+          </a:extLst>
+        </p:spPr>
+      </p:pic>
+      <p:pic>
+        <p:nvPicPr>
+          <p:cNvPr id="1032" name="Picture 8" descr="Integrazione SPID CIE - FastID">
+            <a:extLst>
+              <a:ext uri="{FF2B5EF4-FFF2-40B4-BE49-F238E27FC236}">
+                <a16:creationId xmlns:a16="http://schemas.microsoft.com/office/drawing/2014/main" id="{9EA7B1C4-FCF6-B21F-0305-8663F5BD02FE}"/>
+              </a:ext>
+            </a:extLst>
+          </p:cNvPr>
+          <p:cNvPicPr>
+            <a:picLocks noChangeAspect="1" noChangeArrowheads="1"/>
+          </p:cNvPicPr>
+          <p:nvPr/>
+        </p:nvPicPr>
+        <p:blipFill>
+          <a:blip r:embed="rId4">
+            <a:extLst>
+              <a:ext uri="{28A0092B-C50C-407E-A947-70E740481C1C}">
+                <a14:useLocalDpi xmlns:a14="http://schemas.microsoft.com/office/drawing/2010/main" val="0"/>
+              </a:ext>
+            </a:extLst>
+          </a:blip>
+          <a:srcRect/>
+          <a:stretch>
+            <a:fillRect/>
+          </a:stretch>
+        </p:blipFill>
+        <p:spPr bwMode="auto">
+          <a:xfrm>
+            <a:off x="3837039" y="4336025"/>
+            <a:ext cx="1224116" cy="1224116"/>
+          </a:xfrm>
+          <a:prstGeom prst="rect">
+            <a:avLst/>
+          </a:prstGeom>
+          <a:noFill/>
+          <a:extLst>
+            <a:ext uri="{909E8E84-426E-40DD-AFC4-6F175D3DCCD1}">
+              <a14:hiddenFill xmlns:a14="http://schemas.microsoft.com/office/drawing/2010/main">
+                <a:solidFill>
+                  <a:srgbClr val="FFFFFF"/>
+                </a:solidFill>
+              </a14:hiddenFill>
+            </a:ext>
+          </a:extLst>
+        </p:spPr>
+      </p:pic>
+      <p:sp>
+        <p:nvSpPr>
+          <p:cNvPr id="7" name="CasellaDiTesto 6">
+            <a:extLst>
+              <a:ext uri="{FF2B5EF4-FFF2-40B4-BE49-F238E27FC236}">
+                <a16:creationId xmlns:a16="http://schemas.microsoft.com/office/drawing/2014/main" id="{4644B591-86E9-F598-DB43-55D7C5BE759E}"/>
+              </a:ext>
+            </a:extLst>
+          </p:cNvPr>
+          <p:cNvSpPr txBox="1"/>
+          <p:nvPr/>
+        </p:nvSpPr>
+        <p:spPr>
+          <a:xfrm>
+            <a:off x="3585580" y="1792154"/>
+            <a:ext cx="1974067" cy="461665"/>
+          </a:xfrm>
+          <a:prstGeom prst="rect">
+            <a:avLst/>
+          </a:prstGeom>
+          <a:noFill/>
+        </p:spPr>
+        <p:txBody>
+          <a:bodyPr wrap="none" rtlCol="0">
+            <a:spAutoFit/>
+          </a:bodyPr>
+          <a:lstStyle/>
+          <a:p>
+            <a:r>
+              <a:rPr lang="it-IT" sz="2400" b="1" dirty="0">
+                <a:solidFill>
+                  <a:schemeClr val="bg1"/>
+                </a:solidFill>
+                <a:highlight>
+                  <a:srgbClr val="000000"/>
+                </a:highlight>
+              </a:rPr>
+              <a:t> TAP PROJECT </a:t>
+            </a:r>
+          </a:p>
+        </p:txBody>
+      </p:sp>
+      <p:sp>
+        <p:nvSpPr>
+          <p:cNvPr id="8" name="CasellaDiTesto 7">
+            <a:extLst>
+              <a:ext uri="{FF2B5EF4-FFF2-40B4-BE49-F238E27FC236}">
+                <a16:creationId xmlns:a16="http://schemas.microsoft.com/office/drawing/2014/main" id="{C4C019B8-F775-4FE5-BAC8-DCF54E16E361}"/>
+              </a:ext>
+            </a:extLst>
+          </p:cNvPr>
+          <p:cNvSpPr txBox="1"/>
+          <p:nvPr/>
+        </p:nvSpPr>
+        <p:spPr>
+          <a:xfrm>
+            <a:off x="3602999" y="5329308"/>
+            <a:ext cx="1692195" cy="461665"/>
+          </a:xfrm>
+          <a:prstGeom prst="rect">
+            <a:avLst/>
+          </a:prstGeom>
+          <a:noFill/>
+        </p:spPr>
+        <p:txBody>
+          <a:bodyPr wrap="none" rtlCol="0">
+            <a:spAutoFit/>
+          </a:bodyPr>
+          <a:lstStyle/>
+          <a:p>
+            <a:r>
+              <a:rPr lang="it-IT" sz="2400" b="1" dirty="0">
+                <a:solidFill>
+                  <a:schemeClr val="bg1"/>
+                </a:solidFill>
+                <a:highlight>
+                  <a:srgbClr val="000000"/>
+                </a:highlight>
+              </a:rPr>
+              <a:t>FASTID ADV</a:t>
+            </a:r>
+          </a:p>
+        </p:txBody>
+      </p:sp>
+      <p:sp>
+        <p:nvSpPr>
+          <p:cNvPr id="2" name="Titolo 1">
+            <a:extLst>
+              <a:ext uri="{FF2B5EF4-FFF2-40B4-BE49-F238E27FC236}">
+                <a16:creationId xmlns:a16="http://schemas.microsoft.com/office/drawing/2014/main" id="{671BFC65-88A6-16F8-54C9-BAE2BCF9B086}"/>
+              </a:ext>
+            </a:extLst>
+          </p:cNvPr>
+          <p:cNvSpPr txBox="1">
+            <a:spLocks/>
+          </p:cNvSpPr>
+          <p:nvPr/>
+        </p:nvSpPr>
+        <p:spPr>
+          <a:xfrm>
+            <a:off x="381000" y="203200"/>
+            <a:ext cx="7696200" cy="966839"/>
+          </a:xfrm>
+          <a:prstGeom prst="rect">
+            <a:avLst/>
+          </a:prstGeom>
+        </p:spPr>
+        <p:txBody>
+          <a:bodyPr vert="horz" lIns="91440" tIns="45720" rIns="91440" bIns="45720" rtlCol="0" anchor="ctr">
+            <a:normAutofit/>
+          </a:bodyPr>
+          <a:lstStyle>
+            <a:lvl1pPr algn="l" defTabSz="914400" rtl="0" eaLnBrk="1" latinLnBrk="0" hangingPunct="1">
+              <a:lnSpc>
+                <a:spcPct val="90000"/>
+              </a:lnSpc>
+              <a:spcBef>
+                <a:spcPct val="0"/>
+              </a:spcBef>
+              <a:buNone/>
+              <a:defRPr sz="4400" kern="1200">
+                <a:solidFill>
+                  <a:schemeClr val="tx1"/>
+                </a:solidFill>
+                <a:latin typeface="+mj-lt"/>
+                <a:ea typeface="+mj-ea"/>
+                <a:cs typeface="+mj-cs"/>
+              </a:defRPr>
+            </a:lvl1pPr>
+          </a:lstStyle>
+          <a:p>
+            <a:r>
+              <a:rPr lang="it-IT" sz="2000" dirty="0">
+                <a:solidFill>
+                  <a:srgbClr val="002060"/>
+                </a:solidFill>
+                <a:latin typeface="Arial Black" panose="020B0A04020102020204" pitchFamily="34" charset="0"/>
+              </a:rPr>
+              <a:t>I </a:t>
+            </a:r>
+            <a:r>
+              <a:rPr lang="it-IT" sz="2000" dirty="0" err="1">
+                <a:solidFill>
+                  <a:srgbClr val="002060"/>
+                </a:solidFill>
+                <a:latin typeface="Arial Black" panose="020B0A04020102020204" pitchFamily="34" charset="0"/>
+              </a:rPr>
+              <a:t>swear</a:t>
+            </a:r>
+            <a:r>
+              <a:rPr lang="it-IT" sz="2000" dirty="0">
+                <a:solidFill>
+                  <a:srgbClr val="002060"/>
+                </a:solidFill>
+                <a:latin typeface="Arial Black" panose="020B0A04020102020204" pitchFamily="34" charset="0"/>
+              </a:rPr>
+              <a:t> </a:t>
+            </a:r>
+            <a:r>
+              <a:rPr lang="it-IT" sz="2000" dirty="0" err="1">
+                <a:solidFill>
+                  <a:srgbClr val="002060"/>
+                </a:solidFill>
+                <a:latin typeface="Arial Black" panose="020B0A04020102020204" pitchFamily="34" charset="0"/>
+              </a:rPr>
+              <a:t>it’s</a:t>
+            </a:r>
+            <a:r>
+              <a:rPr lang="it-IT" sz="2000" dirty="0">
+                <a:solidFill>
+                  <a:srgbClr val="002060"/>
+                </a:solidFill>
+                <a:latin typeface="Arial Black" panose="020B0A04020102020204" pitchFamily="34" charset="0"/>
+              </a:rPr>
+              <a:t> </a:t>
+            </a:r>
+            <a:r>
+              <a:rPr lang="it-IT" sz="2000" dirty="0" err="1">
+                <a:solidFill>
+                  <a:srgbClr val="002060"/>
+                </a:solidFill>
+                <a:latin typeface="Arial Black" panose="020B0A04020102020204" pitchFamily="34" charset="0"/>
+              </a:rPr>
+              <a:t>not</a:t>
+            </a:r>
+            <a:endParaRPr lang="it-IT" sz="2000" dirty="0">
+              <a:solidFill>
+                <a:srgbClr val="002060"/>
+              </a:solidFill>
+              <a:latin typeface="Arial Black" panose="020B0A04020102020204" pitchFamily="34" charset="0"/>
+            </a:endParaRPr>
+          </a:p>
+          <a:p>
+            <a:r>
+              <a:rPr lang="it-IT" sz="2000" dirty="0" err="1">
+                <a:solidFill>
+                  <a:srgbClr val="002060"/>
+                </a:solidFill>
+                <a:latin typeface="Arial Black" panose="020B0A04020102020204" pitchFamily="34" charset="0"/>
+              </a:rPr>
+              <a:t>how</a:t>
+            </a:r>
+            <a:r>
+              <a:rPr lang="it-IT" sz="2000" dirty="0">
+                <a:solidFill>
+                  <a:srgbClr val="002060"/>
+                </a:solidFill>
+                <a:latin typeface="Arial Black" panose="020B0A04020102020204" pitchFamily="34" charset="0"/>
+              </a:rPr>
+              <a:t> </a:t>
+            </a:r>
+            <a:r>
+              <a:rPr lang="it-IT" sz="2000" dirty="0" err="1">
+                <a:solidFill>
+                  <a:srgbClr val="002060"/>
+                </a:solidFill>
+                <a:latin typeface="Arial Black" panose="020B0A04020102020204" pitchFamily="34" charset="0"/>
+              </a:rPr>
+              <a:t>it</a:t>
+            </a:r>
+            <a:r>
+              <a:rPr lang="it-IT" sz="2000" dirty="0">
+                <a:solidFill>
+                  <a:srgbClr val="002060"/>
+                </a:solidFill>
+                <a:latin typeface="Arial Black" panose="020B0A04020102020204" pitchFamily="34" charset="0"/>
+              </a:rPr>
+              <a:t> looks…</a:t>
+            </a:r>
+          </a:p>
+        </p:txBody>
+      </p:sp>
+    </p:spTree>
+    <p:extLst>
+      <p:ext uri="{BB962C8B-B14F-4D97-AF65-F5344CB8AC3E}">
+        <p14:creationId xmlns:p14="http://schemas.microsoft.com/office/powerpoint/2010/main" val="362858821"/>
+      </p:ext>
+    </p:extLst>
+  </p:cSld>
+  <p:clrMapOvr>
+    <a:masterClrMapping/>
+  </p:clrMapOvr>
+</p:sld>
+</file>
+
+<file path=ppt/slides/slide5.xml><?xml version="1.0" encoding="utf-8"?>
+<p:sld xmlns:a="http://schemas.openxmlformats.org/drawingml/2006/main" xmlns:r="http://schemas.openxmlformats.org/officeDocument/2006/relationships" xmlns:p="http://schemas.openxmlformats.org/presentationml/2006/main">
+  <p:cSld>
+    <p:spTree>
+      <p:nvGrpSpPr>
         <p:cNvPr id="1" name="">
           <a:extLst>
             <a:ext uri="{FF2B5EF4-FFF2-40B4-BE49-F238E27FC236}">
@@ -4769,7 +5316,7 @@
 </p:sld>
 </file>
 
-<file path=ppt/slides/slide5.xml><?xml version="1.0" encoding="utf-8"?>
+<file path=ppt/slides/slide6.xml><?xml version="1.0" encoding="utf-8"?>
 <p:sld xmlns:a="http://schemas.openxmlformats.org/drawingml/2006/main" xmlns:r="http://schemas.openxmlformats.org/officeDocument/2006/relationships" xmlns:p="http://schemas.openxmlformats.org/presentationml/2006/main">
   <p:cSld>
     <p:spTree>
@@ -5020,13 +5567,13 @@
   <p:clrMapOvr>
     <a:masterClrMapping/>
   </p:clrMapOvr>
-  <mc:AlternateContent xmlns:mc="http://schemas.openxmlformats.org/markup-compatibility/2006">
-    <mc:Choice xmlns:p159="http://schemas.microsoft.com/office/powerpoint/2015/09/main" Requires="p159">
+  <mc:AlternateContent xmlns:mc="http://schemas.openxmlformats.org/markup-compatibility/2006" xmlns:p159="http://schemas.microsoft.com/office/powerpoint/2015/09/main">
+    <mc:Choice Requires="p159">
       <p:transition xmlns:p14="http://schemas.microsoft.com/office/powerpoint/2010/main" spd="slow" p14:dur="2000">
         <p159:morph option="byObject"/>
       </p:transition>
     </mc:Choice>
-    <mc:Fallback>
+    <mc:Fallback xmlns="">
       <p:transition spd="slow">
         <p:fade/>
       </p:transition>
@@ -5035,7 +5582,7 @@
 </p:sld>
 </file>
 
-<file path=ppt/slides/slide6.xml><?xml version="1.0" encoding="utf-8"?>
+<file path=ppt/slides/slide7.xml><?xml version="1.0" encoding="utf-8"?>
 <p:sld xmlns:a="http://schemas.openxmlformats.org/drawingml/2006/main" xmlns:r="http://schemas.openxmlformats.org/officeDocument/2006/relationships" xmlns:p="http://schemas.openxmlformats.org/presentationml/2006/main">
   <p:cSld>
     <p:spTree>
@@ -5204,13 +5751,13 @@
   <p:clrMapOvr>
     <a:masterClrMapping/>
   </p:clrMapOvr>
-  <mc:AlternateContent xmlns:mc="http://schemas.openxmlformats.org/markup-compatibility/2006">
-    <mc:Choice xmlns:p159="http://schemas.microsoft.com/office/powerpoint/2015/09/main" Requires="p159">
+  <mc:AlternateContent xmlns:mc="http://schemas.openxmlformats.org/markup-compatibility/2006" xmlns:p159="http://schemas.microsoft.com/office/powerpoint/2015/09/main">
+    <mc:Choice Requires="p159">
       <p:transition xmlns:p14="http://schemas.microsoft.com/office/powerpoint/2010/main" spd="slow" p14:dur="2000">
         <p159:morph option="byObject"/>
       </p:transition>
     </mc:Choice>
-    <mc:Fallback>
+    <mc:Fallback xmlns="">
       <p:transition spd="slow">
         <p:fade/>
       </p:transition>
@@ -5219,7 +5766,7 @@
 </p:sld>
 </file>
 
-<file path=ppt/slides/slide7.xml><?xml version="1.0" encoding="utf-8"?>
+<file path=ppt/slides/slide8.xml><?xml version="1.0" encoding="utf-8"?>
 <p:sld xmlns:a="http://schemas.openxmlformats.org/drawingml/2006/main" xmlns:r="http://schemas.openxmlformats.org/officeDocument/2006/relationships" xmlns:p="http://schemas.openxmlformats.org/presentationml/2006/main">
   <p:cSld>
     <p:spTree>
@@ -5364,13 +5911,13 @@
   <p:clrMapOvr>
     <a:masterClrMapping/>
   </p:clrMapOvr>
-  <mc:AlternateContent xmlns:mc="http://schemas.openxmlformats.org/markup-compatibility/2006">
-    <mc:Choice xmlns:p159="http://schemas.microsoft.com/office/powerpoint/2015/09/main" Requires="p159">
+  <mc:AlternateContent xmlns:mc="http://schemas.openxmlformats.org/markup-compatibility/2006" xmlns:p159="http://schemas.microsoft.com/office/powerpoint/2015/09/main">
+    <mc:Choice Requires="p159">
       <p:transition xmlns:p14="http://schemas.microsoft.com/office/powerpoint/2010/main" spd="slow" p14:dur="2000">
         <p159:morph option="byObject"/>
       </p:transition>
     </mc:Choice>
-    <mc:Fallback>
+    <mc:Fallback xmlns="">
       <p:transition spd="slow">
         <p:fade/>
       </p:transition>
@@ -5379,7 +5926,7 @@
 </p:sld>
 </file>
 
-<file path=ppt/slides/slide8.xml><?xml version="1.0" encoding="utf-8"?>
+<file path=ppt/slides/slide9.xml><?xml version="1.0" encoding="utf-8"?>
 <p:sld xmlns:a="http://schemas.openxmlformats.org/drawingml/2006/main" xmlns:r="http://schemas.openxmlformats.org/officeDocument/2006/relationships" xmlns:p="http://schemas.openxmlformats.org/presentationml/2006/main">
   <p:cSld>
     <p:spTree>
@@ -5524,168 +6071,13 @@
   <p:clrMapOvr>
     <a:masterClrMapping/>
   </p:clrMapOvr>
-  <mc:AlternateContent xmlns:mc="http://schemas.openxmlformats.org/markup-compatibility/2006">
-    <mc:Choice xmlns:p159="http://schemas.microsoft.com/office/powerpoint/2015/09/main" Requires="p159">
+  <mc:AlternateContent xmlns:mc="http://schemas.openxmlformats.org/markup-compatibility/2006" xmlns:p159="http://schemas.microsoft.com/office/powerpoint/2015/09/main">
+    <mc:Choice Requires="p159">
       <p:transition xmlns:p14="http://schemas.microsoft.com/office/powerpoint/2010/main" spd="slow" p14:dur="2000">
         <p159:morph option="byObject"/>
       </p:transition>
     </mc:Choice>
-    <mc:Fallback>
-      <p:transition spd="slow">
-        <p:fade/>
-      </p:transition>
-    </mc:Fallback>
-  </mc:AlternateContent>
-</p:sld>
-</file>
-
-<file path=ppt/slides/slide9.xml><?xml version="1.0" encoding="utf-8"?>
-<p:sld xmlns:a="http://schemas.openxmlformats.org/drawingml/2006/main" xmlns:r="http://schemas.openxmlformats.org/officeDocument/2006/relationships" xmlns:p="http://schemas.openxmlformats.org/presentationml/2006/main">
-  <p:cSld>
-    <p:spTree>
-      <p:nvGrpSpPr>
-        <p:cNvPr id="1" name="">
-          <a:extLst>
-            <a:ext uri="{FF2B5EF4-FFF2-40B4-BE49-F238E27FC236}">
-              <a16:creationId xmlns:a16="http://schemas.microsoft.com/office/drawing/2014/main" id="{107A0E76-0DA9-4141-4711-264911A90991}"/>
-            </a:ext>
-          </a:extLst>
-        </p:cNvPr>
-        <p:cNvGrpSpPr/>
-        <p:nvPr/>
-      </p:nvGrpSpPr>
-      <p:grpSpPr>
-        <a:xfrm>
-          <a:off x="0" y="0"/>
-          <a:ext cx="0" cy="0"/>
-          <a:chOff x="0" y="0"/>
-          <a:chExt cx="0" cy="0"/>
-        </a:xfrm>
-      </p:grpSpPr>
-      <p:pic>
-        <p:nvPicPr>
-          <p:cNvPr id="5" name="Immagine 4">
-            <a:extLst>
-              <a:ext uri="{FF2B5EF4-FFF2-40B4-BE49-F238E27FC236}">
-                <a16:creationId xmlns:a16="http://schemas.microsoft.com/office/drawing/2014/main" id="{833E9BFD-E1F3-BF19-3749-B8F042708404}"/>
-              </a:ext>
-            </a:extLst>
-          </p:cNvPr>
-          <p:cNvPicPr>
-            <a:picLocks noChangeAspect="1"/>
-          </p:cNvPicPr>
-          <p:nvPr/>
-        </p:nvPicPr>
-        <p:blipFill>
-          <a:blip r:embed="rId2"/>
-          <a:stretch>
-            <a:fillRect/>
-          </a:stretch>
-        </p:blipFill>
-        <p:spPr>
-          <a:xfrm>
-            <a:off x="-20788680" y="433336"/>
-            <a:ext cx="39295558" cy="6858000"/>
-          </a:xfrm>
-          <a:prstGeom prst="rect">
-            <a:avLst/>
-          </a:prstGeom>
-        </p:spPr>
-      </p:pic>
-      <p:sp>
-        <p:nvSpPr>
-          <p:cNvPr id="6" name="Titolo 1">
-            <a:extLst>
-              <a:ext uri="{FF2B5EF4-FFF2-40B4-BE49-F238E27FC236}">
-                <a16:creationId xmlns:a16="http://schemas.microsoft.com/office/drawing/2014/main" id="{70EAC82D-4322-B8E7-07B4-D43BDD6EEB3B}"/>
-              </a:ext>
-            </a:extLst>
-          </p:cNvPr>
-          <p:cNvSpPr txBox="1">
-            <a:spLocks/>
-          </p:cNvSpPr>
-          <p:nvPr/>
-        </p:nvSpPr>
-        <p:spPr>
-          <a:xfrm>
-            <a:off x="381000" y="203200"/>
-            <a:ext cx="7696200" cy="473075"/>
-          </a:xfrm>
-          <a:prstGeom prst="rect">
-            <a:avLst/>
-          </a:prstGeom>
-        </p:spPr>
-        <p:txBody>
-          <a:bodyPr vert="horz" lIns="91440" tIns="45720" rIns="91440" bIns="45720" rtlCol="0" anchor="ctr">
-            <a:normAutofit/>
-          </a:bodyPr>
-          <a:lstStyle>
-            <a:lvl1pPr algn="l" defTabSz="914400" rtl="0" eaLnBrk="1" latinLnBrk="0" hangingPunct="1">
-              <a:lnSpc>
-                <a:spcPct val="90000"/>
-              </a:lnSpc>
-              <a:spcBef>
-                <a:spcPct val="0"/>
-              </a:spcBef>
-              <a:buNone/>
-              <a:defRPr sz="4400" kern="1200">
-                <a:solidFill>
-                  <a:schemeClr val="tx1"/>
-                </a:solidFill>
-                <a:latin typeface="+mj-lt"/>
-                <a:ea typeface="+mj-ea"/>
-                <a:cs typeface="+mj-cs"/>
-              </a:defRPr>
-            </a:lvl1pPr>
-          </a:lstStyle>
-          <a:p>
-            <a:r>
-              <a:rPr lang="it-IT" sz="2000" dirty="0">
-                <a:solidFill>
-                  <a:srgbClr val="002060"/>
-                </a:solidFill>
-                <a:latin typeface="Arial Black" panose="020B0A04020102020204" pitchFamily="34" charset="0"/>
-              </a:rPr>
-              <a:t>Processing </a:t>
-            </a:r>
-            <a:r>
-              <a:rPr lang="it-IT" sz="2000" dirty="0" err="1">
-                <a:solidFill>
-                  <a:srgbClr val="002060"/>
-                </a:solidFill>
-                <a:latin typeface="Arial Black" panose="020B0A04020102020204" pitchFamily="34" charset="0"/>
-              </a:rPr>
-              <a:t>using</a:t>
-            </a:r>
-            <a:r>
-              <a:rPr lang="it-IT" sz="2000" dirty="0">
-                <a:solidFill>
-                  <a:srgbClr val="002060"/>
-                </a:solidFill>
-                <a:latin typeface="Arial Black" panose="020B0A04020102020204" pitchFamily="34" charset="0"/>
-              </a:rPr>
-              <a:t> Spark</a:t>
-            </a:r>
-          </a:p>
-        </p:txBody>
-      </p:sp>
-    </p:spTree>
-    <p:extLst>
-      <p:ext uri="{BB962C8B-B14F-4D97-AF65-F5344CB8AC3E}">
-        <p14:creationId xmlns:p14="http://schemas.microsoft.com/office/powerpoint/2010/main" val="1698730226"/>
-      </p:ext>
-    </p:extLst>
-  </p:cSld>
-  <p:clrMapOvr>
-    <a:masterClrMapping/>
-  </p:clrMapOvr>
-  <mc:AlternateContent xmlns:mc="http://schemas.openxmlformats.org/markup-compatibility/2006">
-    <mc:Choice xmlns:p159="http://schemas.microsoft.com/office/powerpoint/2015/09/main" Requires="p159">
-      <p:transition xmlns:p14="http://schemas.microsoft.com/office/powerpoint/2010/main" spd="slow" p14:dur="2000">
-        <p159:morph option="byObject"/>
-      </p:transition>
-    </mc:Choice>
-    <mc:Fallback>
+    <mc:Fallback xmlns="">
       <p:transition spd="slow">
         <p:fade/>
       </p:transition>
